--- a/fuentes/contenidos/grado06/guion02/MA_06_02_CO_Mapa conceptual.pptx
+++ b/fuentes/contenidos/grado06/guion02/MA_06_02_CO_Mapa conceptual.pptx
@@ -106,7 +106,18 @@
   </p:defaultTextStyle>
   <p:extLst>
     <p:ext uri="{EFAFB233-063F-42B5-8137-9DF3F51BA10A}">
-      <p15:sldGuideLst xmlns:p15="http://schemas.microsoft.com/office/powerpoint/2012/main" xmlns=""/>
+      <p15:sldGuideLst xmlns:p15="http://schemas.microsoft.com/office/powerpoint/2012/main">
+        <p15:guide id="1" orient="horz" pos="2160">
+          <p15:clr>
+            <a:srgbClr val="A4A3A4"/>
+          </p15:clr>
+        </p15:guide>
+        <p15:guide id="2" pos="2880">
+          <p15:clr>
+            <a:srgbClr val="A4A3A4"/>
+          </p15:clr>
+        </p15:guide>
+      </p15:sldGuideLst>
     </p:ext>
   </p:extLst>
 </p:presentation>
@@ -142,7 +153,7 @@
   <p:timing>
     <p:tnLst>
       <p:par>
-        <p:cTn xmlns:p14="http://schemas.microsoft.com/office/powerpoint/2010/main" id="1" dur="indefinite" restart="never" nodeType="tmRoot"/>
+        <p:cTn id="1" dur="indefinite" restart="never" nodeType="tmRoot"/>
       </p:par>
     </p:tnLst>
   </p:timing>
@@ -179,7 +190,7 @@
   <p:timing>
     <p:tnLst>
       <p:par>
-        <p:cTn xmlns:p14="http://schemas.microsoft.com/office/powerpoint/2010/main" id="1" dur="indefinite" restart="never" nodeType="tmRoot"/>
+        <p:cTn id="1" dur="indefinite" restart="never" nodeType="tmRoot"/>
       </p:par>
     </p:tnLst>
   </p:timing>
@@ -216,7 +227,7 @@
   <p:timing>
     <p:tnLst>
       <p:par>
-        <p:cTn xmlns:p14="http://schemas.microsoft.com/office/powerpoint/2010/main" id="1" dur="indefinite" restart="never" nodeType="tmRoot"/>
+        <p:cTn id="1" dur="indefinite" restart="never" nodeType="tmRoot"/>
       </p:par>
     </p:tnLst>
   </p:timing>
@@ -253,7 +264,7 @@
   <p:timing>
     <p:tnLst>
       <p:par>
-        <p:cTn xmlns:p14="http://schemas.microsoft.com/office/powerpoint/2010/main" id="1" dur="indefinite" restart="never" nodeType="tmRoot"/>
+        <p:cTn id="1" dur="indefinite" restart="never" nodeType="tmRoot"/>
       </p:par>
     </p:tnLst>
   </p:timing>
@@ -290,7 +301,7 @@
   <p:timing>
     <p:tnLst>
       <p:par>
-        <p:cTn xmlns:p14="http://schemas.microsoft.com/office/powerpoint/2010/main" id="1" dur="indefinite" restart="never" nodeType="tmRoot"/>
+        <p:cTn id="1" dur="indefinite" restart="never" nodeType="tmRoot"/>
       </p:par>
     </p:tnLst>
   </p:timing>
@@ -327,7 +338,7 @@
   <p:timing>
     <p:tnLst>
       <p:par>
-        <p:cTn xmlns:p14="http://schemas.microsoft.com/office/powerpoint/2010/main" id="1" dur="indefinite" restart="never" nodeType="tmRoot"/>
+        <p:cTn id="1" dur="indefinite" restart="never" nodeType="tmRoot"/>
       </p:par>
     </p:tnLst>
   </p:timing>
@@ -364,7 +375,7 @@
   <p:timing>
     <p:tnLst>
       <p:par>
-        <p:cTn xmlns:p14="http://schemas.microsoft.com/office/powerpoint/2010/main" id="1" dur="indefinite" restart="never" nodeType="tmRoot"/>
+        <p:cTn id="1" dur="indefinite" restart="never" nodeType="tmRoot"/>
       </p:par>
     </p:tnLst>
   </p:timing>
@@ -401,7 +412,7 @@
   <p:timing>
     <p:tnLst>
       <p:par>
-        <p:cTn xmlns:p14="http://schemas.microsoft.com/office/powerpoint/2010/main" id="1" dur="indefinite" restart="never" nodeType="tmRoot"/>
+        <p:cTn id="1" dur="indefinite" restart="never" nodeType="tmRoot"/>
       </p:par>
     </p:tnLst>
   </p:timing>
@@ -450,7 +461,7 @@
           <a:p>
             <a:fld id="{5001C876-01F7-4317-94B9-1AE222133113}" type="datetimeFigureOut">
               <a:rPr lang="es-ES" smtClean="0"/>
-              <a:t>3/08/15</a:t>
+              <a:t>18/09/2015</a:t>
             </a:fld>
             <a:endParaRPr lang="es-ES"/>
           </a:p>
@@ -508,7 +519,7 @@
           <a:p>
             <a:fld id="{58140F73-F5A2-4B82-A2FA-BF1850CF1309}" type="slidenum">
               <a:rPr lang="es-ES" smtClean="0"/>
-              <a:t>‹#›</a:t>
+              <a:t>‹Nº›</a:t>
             </a:fld>
             <a:endParaRPr lang="es-ES"/>
           </a:p>
@@ -527,7 +538,7 @@
   <p:timing>
     <p:tnLst>
       <p:par>
-        <p:cTn xmlns:p14="http://schemas.microsoft.com/office/powerpoint/2010/main" id="1" dur="indefinite" restart="never" nodeType="tmRoot"/>
+        <p:cTn id="1" dur="indefinite" restart="never" nodeType="tmRoot"/>
       </p:par>
     </p:tnLst>
   </p:timing>
@@ -564,7 +575,7 @@
   <p:timing>
     <p:tnLst>
       <p:par>
-        <p:cTn xmlns:p14="http://schemas.microsoft.com/office/powerpoint/2010/main" id="1" dur="indefinite" restart="never" nodeType="tmRoot"/>
+        <p:cTn id="1" dur="indefinite" restart="never" nodeType="tmRoot"/>
       </p:par>
     </p:tnLst>
   </p:timing>
@@ -601,7 +612,7 @@
   <p:timing>
     <p:tnLst>
       <p:par>
-        <p:cTn xmlns:p14="http://schemas.microsoft.com/office/powerpoint/2010/main" id="1" dur="indefinite" restart="never" nodeType="tmRoot"/>
+        <p:cTn id="1" dur="indefinite" restart="never" nodeType="tmRoot"/>
       </p:par>
     </p:tnLst>
   </p:timing>
@@ -654,7 +665,11 @@
           <a:p>
             <a:r>
               <a:rPr lang="es-ES" sz="1200" dirty="0" smtClean="0"/>
-              <a:t>© Editorial Planeta Colombiana S.A., 2015.</a:t>
+              <a:t>© Editorial Planeta Colombiana S.A., </a:t>
+            </a:r>
+            <a:r>
+              <a:rPr lang="es-ES" sz="1200" dirty="0" smtClean="0"/>
+              <a:t>2016.</a:t>
             </a:r>
             <a:endParaRPr lang="es-ES" sz="1200" dirty="0"/>
           </a:p>
@@ -714,7 +729,7 @@
   <p:timing>
     <p:tnLst>
       <p:par>
-        <p:cTn xmlns:p14="http://schemas.microsoft.com/office/powerpoint/2010/main" id="1" dur="indefinite" restart="never" nodeType="tmRoot"/>
+        <p:cTn id="1" dur="indefinite" restart="never" nodeType="tmRoot"/>
       </p:par>
     </p:tnLst>
   </p:timing>
@@ -1062,7 +1077,7 @@
             <a:pPr algn="ctr"/>
             <a:r>
               <a:rPr lang="es-ES" sz="1600" dirty="0" smtClean="0"/>
-              <a:t>Los sistemas de numeración</a:t>
+              <a:t>El conjunto de los números naturales</a:t>
             </a:r>
             <a:endParaRPr lang="es-ES" sz="1600" dirty="0"/>
           </a:p>
@@ -1076,8 +1091,8 @@
         </p:nvSpPr>
         <p:spPr>
           <a:xfrm>
-            <a:off x="924751" y="972457"/>
-            <a:ext cx="1788902" cy="439782"/>
+            <a:off x="1189043" y="770381"/>
+            <a:ext cx="1596454" cy="439782"/>
           </a:xfrm>
           <a:prstGeom prst="rect">
             <a:avLst/>
@@ -1125,41 +1140,6 @@
           </a:p>
         </p:txBody>
       </p:sp>
-      <p:cxnSp>
-        <p:nvCxnSpPr>
-          <p:cNvPr id="12" name="Conector angular 11"/>
-          <p:cNvCxnSpPr/>
-          <p:nvPr/>
-        </p:nvCxnSpPr>
-        <p:spPr>
-          <a:xfrm rot="5400000">
-            <a:off x="3050453" y="-1133350"/>
-            <a:ext cx="244755" cy="3373726"/>
-          </a:xfrm>
-          <a:prstGeom prst="bentConnector3">
-            <a:avLst/>
-          </a:prstGeom>
-          <a:ln w="12700">
-            <a:solidFill>
-              <a:schemeClr val="tx1"/>
-            </a:solidFill>
-          </a:ln>
-        </p:spPr>
-        <p:style>
-          <a:lnRef idx="1">
-            <a:schemeClr val="accent1"/>
-          </a:lnRef>
-          <a:fillRef idx="0">
-            <a:schemeClr val="accent1"/>
-          </a:fillRef>
-          <a:effectRef idx="0">
-            <a:schemeClr val="accent1"/>
-          </a:effectRef>
-          <a:fontRef idx="minor">
-            <a:schemeClr val="tx1"/>
-          </a:fontRef>
-        </p:style>
-      </p:cxnSp>
       <p:sp>
         <p:nvSpPr>
           <p:cNvPr id="19" name="CuadroTexto 18" descr="Conector entre nodos" title="conector"/>
@@ -1168,8 +1148,8 @@
         </p:nvSpPr>
         <p:spPr>
           <a:xfrm>
-            <a:off x="1468736" y="1497820"/>
-            <a:ext cx="1122431" cy="230832"/>
+            <a:off x="1499719" y="1336902"/>
+            <a:ext cx="720806" cy="230832"/>
           </a:xfrm>
           <a:prstGeom prst="rect">
             <a:avLst/>
@@ -1193,11 +1173,7 @@
             </a:r>
             <a:r>
               <a:rPr lang="es-ES" sz="900" dirty="0" smtClean="0"/>
-              <a:t> </a:t>
-            </a:r>
-            <a:r>
-              <a:rPr lang="es-ES" sz="900" dirty="0" smtClean="0"/>
-              <a:t>ser</a:t>
+              <a:t> ser</a:t>
             </a:r>
             <a:endParaRPr lang="es-ES" sz="900" dirty="0"/>
           </a:p>
@@ -1211,8 +1187,8 @@
         </p:nvSpPr>
         <p:spPr>
           <a:xfrm>
-            <a:off x="819002" y="1871681"/>
-            <a:ext cx="1124746" cy="357473"/>
+            <a:off x="817559" y="1871932"/>
+            <a:ext cx="710517" cy="357473"/>
           </a:xfrm>
           <a:prstGeom prst="rect">
             <a:avLst/>
@@ -1248,14 +1224,14 @@
           <a:p>
             <a:pPr algn="ctr"/>
             <a:r>
-              <a:rPr lang="es-ES" sz="1050" dirty="0" smtClean="0">
+              <a:rPr lang="es-ES" sz="900" dirty="0" smtClean="0">
                 <a:solidFill>
                   <a:schemeClr val="bg1"/>
                 </a:solidFill>
               </a:rPr>
-              <a:t>Aditivos</a:t>
-            </a:r>
-            <a:endParaRPr lang="es-ES" sz="1050" dirty="0">
+              <a:t>aditivos</a:t>
+            </a:r>
+            <a:endParaRPr lang="es-ES" sz="900" dirty="0">
               <a:solidFill>
                 <a:schemeClr val="bg1"/>
               </a:solidFill>
@@ -1263,46 +1239,6 @@
           </a:p>
         </p:txBody>
       </p:sp>
-      <p:cxnSp>
-        <p:nvCxnSpPr>
-          <p:cNvPr id="45" name="Conector angular 44"/>
-          <p:cNvCxnSpPr>
-            <a:stCxn id="19" idx="2"/>
-            <a:endCxn id="44" idx="0"/>
-          </p:cNvCxnSpPr>
-          <p:nvPr/>
-        </p:nvCxnSpPr>
-        <p:spPr>
-          <a:xfrm rot="5400000">
-            <a:off x="1634150" y="1475878"/>
-            <a:ext cx="143029" cy="648577"/>
-          </a:xfrm>
-          <a:prstGeom prst="bentConnector3">
-            <a:avLst>
-              <a:gd name="adj1" fmla="val 50000"/>
-            </a:avLst>
-          </a:prstGeom>
-          <a:ln w="12700">
-            <a:solidFill>
-              <a:schemeClr val="tx1"/>
-            </a:solidFill>
-          </a:ln>
-        </p:spPr>
-        <p:style>
-          <a:lnRef idx="1">
-            <a:schemeClr val="accent1"/>
-          </a:lnRef>
-          <a:fillRef idx="0">
-            <a:schemeClr val="accent1"/>
-          </a:fillRef>
-          <a:effectRef idx="0">
-            <a:schemeClr val="accent1"/>
-          </a:effectRef>
-          <a:fontRef idx="minor">
-            <a:schemeClr val="tx1"/>
-          </a:fontRef>
-        </p:style>
-      </p:cxnSp>
       <p:sp>
         <p:nvSpPr>
           <p:cNvPr id="72" name="Rectángulo 71" descr="Nodo de tercer nivel" title="Nodo03"/>
@@ -1311,8 +1247,8 @@
         </p:nvSpPr>
         <p:spPr>
           <a:xfrm>
-            <a:off x="520469" y="2746044"/>
-            <a:ext cx="1122431" cy="343441"/>
+            <a:off x="609092" y="2691162"/>
+            <a:ext cx="793937" cy="179664"/>
           </a:xfrm>
           <a:prstGeom prst="rect">
             <a:avLst/>
@@ -1353,7 +1289,7 @@
                   <a:schemeClr val="tx1"/>
                 </a:solidFill>
               </a:rPr>
-              <a:t>Romano</a:t>
+              <a:t>El romano</a:t>
             </a:r>
             <a:endParaRPr lang="es-ES" sz="900" dirty="0">
               <a:solidFill>
@@ -1371,7 +1307,7 @@
         </p:nvSpPr>
         <p:spPr>
           <a:xfrm>
-            <a:off x="820160" y="3609643"/>
+            <a:off x="1440242" y="4108439"/>
             <a:ext cx="1122431" cy="353519"/>
           </a:xfrm>
           <a:prstGeom prst="rect">
@@ -1429,7 +1365,7 @@
         </p:nvSpPr>
         <p:spPr>
           <a:xfrm>
-            <a:off x="821913" y="3226160"/>
+            <a:off x="2001458" y="2922891"/>
             <a:ext cx="1117174" cy="230832"/>
           </a:xfrm>
           <a:prstGeom prst="rect">
@@ -1450,56 +1386,12 @@
             </a:r>
             <a:r>
               <a:rPr lang="es-ES" sz="900" dirty="0" smtClean="0"/>
-              <a:t>n </a:t>
-            </a:r>
-            <a:r>
-              <a:rPr lang="es-ES" sz="900" dirty="0" smtClean="0"/>
-              <a:t>los dos hay</a:t>
+              <a:t>n los dos hay</a:t>
             </a:r>
             <a:endParaRPr lang="es-ES" sz="900" dirty="0"/>
           </a:p>
         </p:txBody>
       </p:sp>
-      <p:cxnSp>
-        <p:nvCxnSpPr>
-          <p:cNvPr id="79" name="Conector angular 78"/>
-          <p:cNvCxnSpPr>
-            <a:stCxn id="72" idx="2"/>
-            <a:endCxn id="75" idx="0"/>
-          </p:cNvCxnSpPr>
-          <p:nvPr/>
-        </p:nvCxnSpPr>
-        <p:spPr>
-          <a:xfrm rot="16200000" flipH="1">
-            <a:off x="1162755" y="3008414"/>
-            <a:ext cx="136675" cy="298815"/>
-          </a:xfrm>
-          <a:prstGeom prst="bentConnector3">
-            <a:avLst>
-              <a:gd name="adj1" fmla="val 50000"/>
-            </a:avLst>
-          </a:prstGeom>
-          <a:ln w="12700">
-            <a:solidFill>
-              <a:schemeClr val="tx1"/>
-            </a:solidFill>
-          </a:ln>
-        </p:spPr>
-        <p:style>
-          <a:lnRef idx="1">
-            <a:schemeClr val="accent1"/>
-          </a:lnRef>
-          <a:fillRef idx="0">
-            <a:schemeClr val="accent1"/>
-          </a:fillRef>
-          <a:effectRef idx="0">
-            <a:schemeClr val="accent1"/>
-          </a:effectRef>
-          <a:fontRef idx="minor">
-            <a:schemeClr val="tx1"/>
-          </a:fontRef>
-        </p:style>
-      </p:cxnSp>
       <p:cxnSp>
         <p:nvCxnSpPr>
           <p:cNvPr id="82" name="Conector angular 81"/>
@@ -1510,79 +1402,9 @@
           <p:nvPr/>
         </p:nvCxnSpPr>
         <p:spPr>
-          <a:xfrm rot="16200000" flipH="1">
-            <a:off x="1304613" y="3532879"/>
-            <a:ext cx="152651" cy="876"/>
-          </a:xfrm>
-          <a:prstGeom prst="bentConnector3">
-            <a:avLst>
-              <a:gd name="adj1" fmla="val 50000"/>
-            </a:avLst>
-          </a:prstGeom>
-          <a:ln w="12700">
-            <a:solidFill>
-              <a:schemeClr val="tx1"/>
-            </a:solidFill>
-          </a:ln>
-        </p:spPr>
-        <p:style>
-          <a:lnRef idx="1">
-            <a:schemeClr val="accent1"/>
-          </a:lnRef>
-          <a:fillRef idx="0">
-            <a:schemeClr val="accent1"/>
-          </a:fillRef>
-          <a:effectRef idx="0">
-            <a:schemeClr val="accent1"/>
-          </a:effectRef>
-          <a:fontRef idx="minor">
-            <a:schemeClr val="tx1"/>
-          </a:fontRef>
-        </p:style>
-      </p:cxnSp>
-      <p:sp>
-        <p:nvSpPr>
-          <p:cNvPr id="130" name="CuadroTexto 129" descr="Conector entre nodos" title="conector"/>
-          <p:cNvSpPr txBox="1"/>
-          <p:nvPr/>
-        </p:nvSpPr>
-        <p:spPr>
-          <a:xfrm>
-            <a:off x="830167" y="675891"/>
-            <a:ext cx="1122431" cy="230832"/>
-          </a:xfrm>
-          <a:prstGeom prst="rect">
-            <a:avLst/>
-          </a:prstGeom>
-          <a:noFill/>
-        </p:spPr>
-        <p:txBody>
-          <a:bodyPr wrap="square" rtlCol="0">
-            <a:spAutoFit/>
-          </a:bodyPr>
-          <a:lstStyle/>
-          <a:p>
-            <a:pPr algn="ctr"/>
-            <a:r>
-              <a:rPr lang="es-ES" sz="900" dirty="0" smtClean="0"/>
-              <a:t>historia</a:t>
-            </a:r>
-            <a:endParaRPr lang="es-ES" sz="900" dirty="0"/>
-          </a:p>
-        </p:txBody>
-      </p:sp>
-      <p:cxnSp>
-        <p:nvCxnSpPr>
-          <p:cNvPr id="132" name="Conector angular 131"/>
-          <p:cNvCxnSpPr>
-            <a:endCxn id="5" idx="0"/>
-          </p:cNvCxnSpPr>
-          <p:nvPr/>
-        </p:nvCxnSpPr>
-        <p:spPr>
-          <a:xfrm rot="16200000" flipH="1">
-            <a:off x="1619717" y="772972"/>
-            <a:ext cx="65734" cy="333235"/>
+          <a:xfrm rot="5400000">
+            <a:off x="1803394" y="3351788"/>
+            <a:ext cx="954716" cy="558587"/>
           </a:xfrm>
           <a:prstGeom prst="bentConnector3">
             <a:avLst>
@@ -1618,7 +1440,7 @@
         </p:nvSpPr>
         <p:spPr>
           <a:xfrm>
-            <a:off x="7086084" y="972456"/>
+            <a:off x="4173102" y="750265"/>
             <a:ext cx="1124746" cy="439782"/>
           </a:xfrm>
           <a:prstGeom prst="rect">
@@ -1661,7 +1483,11 @@
             <a:pPr algn="ctr"/>
             <a:r>
               <a:rPr lang="es-ES" sz="1200" b="1" dirty="0" smtClean="0"/>
-              <a:t>Números naturales</a:t>
+              <a:t>Los números </a:t>
+            </a:r>
+            <a:r>
+              <a:rPr lang="es-ES" sz="1200" b="1" dirty="0" smtClean="0"/>
+              <a:t>naturales</a:t>
             </a:r>
             <a:endParaRPr lang="es-ES" sz="1200" b="1" dirty="0"/>
           </a:p>
@@ -1701,16 +1527,13 @@
       <p:cxnSp>
         <p:nvCxnSpPr>
           <p:cNvPr id="219" name="Conector angular 218"/>
-          <p:cNvCxnSpPr>
-            <a:stCxn id="216" idx="2"/>
-            <a:endCxn id="218" idx="0"/>
-          </p:cNvCxnSpPr>
+          <p:cNvCxnSpPr/>
           <p:nvPr/>
         </p:nvCxnSpPr>
         <p:spPr>
-          <a:xfrm rot="5400000">
-            <a:off x="7587202" y="1436563"/>
-            <a:ext cx="85581" cy="36931"/>
+          <a:xfrm rot="16200000" flipH="1">
+            <a:off x="6014457" y="-838781"/>
+            <a:ext cx="307772" cy="2876051"/>
           </a:xfrm>
           <a:prstGeom prst="bentConnector3">
             <a:avLst>
@@ -1788,7 +1611,7 @@
                   <a:schemeClr val="bg1"/>
                 </a:solidFill>
               </a:rPr>
-              <a:t>Un </a:t>
+              <a:t>un </a:t>
             </a:r>
             <a:r>
               <a:rPr lang="es-ES" sz="1050" dirty="0" smtClean="0">
@@ -2443,84 +2266,6 @@
       </p:cxnSp>
       <p:sp>
         <p:nvSpPr>
-          <p:cNvPr id="274" name="CuadroTexto 273" descr="Conector entre nodos" title="conector"/>
-          <p:cNvSpPr txBox="1"/>
-          <p:nvPr/>
-        </p:nvSpPr>
-        <p:spPr>
-          <a:xfrm>
-            <a:off x="6602048" y="675890"/>
-            <a:ext cx="1122431" cy="230832"/>
-          </a:xfrm>
-          <a:prstGeom prst="rect">
-            <a:avLst/>
-          </a:prstGeom>
-          <a:noFill/>
-        </p:spPr>
-        <p:txBody>
-          <a:bodyPr wrap="square" rtlCol="0">
-            <a:spAutoFit/>
-          </a:bodyPr>
-          <a:lstStyle/>
-          <a:p>
-            <a:pPr algn="ctr"/>
-            <a:r>
-              <a:rPr lang="en-US" sz="900" dirty="0" smtClean="0"/>
-              <a:t>C</a:t>
-            </a:r>
-            <a:r>
-              <a:rPr lang="es-ES" sz="900" dirty="0" err="1" smtClean="0"/>
-              <a:t>onjunto</a:t>
-            </a:r>
-            <a:r>
-              <a:rPr lang="es-ES" sz="900" dirty="0" smtClean="0"/>
-              <a:t>  de los</a:t>
-            </a:r>
-            <a:endParaRPr lang="es-ES" sz="900" dirty="0"/>
-          </a:p>
-        </p:txBody>
-      </p:sp>
-      <p:cxnSp>
-        <p:nvCxnSpPr>
-          <p:cNvPr id="275" name="Conector angular 274"/>
-          <p:cNvCxnSpPr>
-            <a:endCxn id="216" idx="0"/>
-          </p:cNvCxnSpPr>
-          <p:nvPr/>
-        </p:nvCxnSpPr>
-        <p:spPr>
-          <a:xfrm rot="16200000" flipH="1">
-            <a:off x="7615011" y="939010"/>
-            <a:ext cx="65734" cy="1157"/>
-          </a:xfrm>
-          <a:prstGeom prst="bentConnector3">
-            <a:avLst>
-              <a:gd name="adj1" fmla="val 50000"/>
-            </a:avLst>
-          </a:prstGeom>
-          <a:ln w="12700">
-            <a:solidFill>
-              <a:schemeClr val="tx1"/>
-            </a:solidFill>
-          </a:ln>
-        </p:spPr>
-        <p:style>
-          <a:lnRef idx="1">
-            <a:schemeClr val="accent1"/>
-          </a:lnRef>
-          <a:fillRef idx="0">
-            <a:schemeClr val="accent1"/>
-          </a:fillRef>
-          <a:effectRef idx="0">
-            <a:schemeClr val="accent1"/>
-          </a:effectRef>
-          <a:fontRef idx="minor">
-            <a:schemeClr val="tx1"/>
-          </a:fontRef>
-        </p:style>
-      </p:cxnSp>
-      <p:sp>
-        <p:nvSpPr>
           <p:cNvPr id="282" name="CuadroTexto 281" descr="Conector entre nodos" title="conector"/>
           <p:cNvSpPr txBox="1"/>
           <p:nvPr/>
@@ -2828,15 +2573,7 @@
                   <a:schemeClr val="tx1"/>
                 </a:solidFill>
               </a:rPr>
-              <a:t>La recta num</a:t>
-            </a:r>
-            <a:r>
-              <a:rPr lang="es-ES" sz="900" dirty="0" smtClean="0">
-                <a:solidFill>
-                  <a:schemeClr val="tx1"/>
-                </a:solidFill>
-              </a:rPr>
-              <a:t>érica</a:t>
+              <a:t>La recta numérica</a:t>
             </a:r>
             <a:endParaRPr lang="es-ES" sz="900" dirty="0">
               <a:solidFill>
@@ -2885,44 +2622,6 @@
       </p:cxnSp>
       <p:cxnSp>
         <p:nvCxnSpPr>
-          <p:cNvPr id="336" name="Conector angular 335"/>
-          <p:cNvCxnSpPr>
-            <a:stCxn id="4" idx="2"/>
-            <a:endCxn id="274" idx="0"/>
-          </p:cNvCxnSpPr>
-          <p:nvPr/>
-        </p:nvCxnSpPr>
-        <p:spPr>
-          <a:xfrm rot="16200000" flipH="1">
-            <a:off x="5835053" y="-652321"/>
-            <a:ext cx="244754" cy="2411667"/>
-          </a:xfrm>
-          <a:prstGeom prst="bentConnector3">
-            <a:avLst/>
-          </a:prstGeom>
-          <a:ln w="12700">
-            <a:solidFill>
-              <a:schemeClr val="tx1"/>
-            </a:solidFill>
-          </a:ln>
-        </p:spPr>
-        <p:style>
-          <a:lnRef idx="1">
-            <a:schemeClr val="accent1"/>
-          </a:lnRef>
-          <a:fillRef idx="0">
-            <a:schemeClr val="accent1"/>
-          </a:fillRef>
-          <a:effectRef idx="0">
-            <a:schemeClr val="accent1"/>
-          </a:effectRef>
-          <a:fontRef idx="minor">
-            <a:schemeClr val="tx1"/>
-          </a:fontRef>
-        </p:style>
-      </p:cxnSp>
-      <p:cxnSp>
-        <p:nvCxnSpPr>
           <p:cNvPr id="360" name="Conector angular 359"/>
           <p:cNvCxnSpPr/>
           <p:nvPr/>
@@ -2966,8 +2665,8 @@
         </p:nvSpPr>
         <p:spPr>
           <a:xfrm>
-            <a:off x="2708918" y="1895659"/>
-            <a:ext cx="1124746" cy="357473"/>
+            <a:off x="1599815" y="1885149"/>
+            <a:ext cx="1038591" cy="357473"/>
           </a:xfrm>
           <a:prstGeom prst="rect">
             <a:avLst/>
@@ -3003,14 +2702,14 @@
           <a:p>
             <a:pPr algn="ctr"/>
             <a:r>
-              <a:rPr lang="es-ES" sz="1050" dirty="0" smtClean="0">
+              <a:rPr lang="es-ES" sz="900" dirty="0" smtClean="0">
                 <a:solidFill>
                   <a:schemeClr val="bg1"/>
                 </a:solidFill>
               </a:rPr>
-              <a:t>Multiplicativos</a:t>
-            </a:r>
-            <a:endParaRPr lang="es-ES" sz="1050" dirty="0">
+              <a:t>multiplicativos</a:t>
+            </a:r>
+            <a:endParaRPr lang="es-ES" sz="900" dirty="0">
               <a:solidFill>
                 <a:schemeClr val="bg1"/>
               </a:solidFill>
@@ -3025,9 +2724,9 @@
           <p:nvPr/>
         </p:nvCxnSpPr>
         <p:spPr>
-          <a:xfrm rot="16200000" flipH="1">
-            <a:off x="2577662" y="1187764"/>
-            <a:ext cx="143029" cy="1244223"/>
+          <a:xfrm rot="10800000" flipV="1">
+            <a:off x="3654234" y="1397726"/>
+            <a:ext cx="895366" cy="155301"/>
           </a:xfrm>
           <a:prstGeom prst="bentConnector3">
             <a:avLst>
@@ -3062,13 +2761,13 @@
           <p:nvPr/>
         </p:nvCxnSpPr>
         <p:spPr>
-          <a:xfrm rot="16200000" flipH="1">
-            <a:off x="3828929" y="1183205"/>
-            <a:ext cx="143029" cy="1244223"/>
+          <a:xfrm rot="10800000" flipV="1">
+            <a:off x="976303" y="1736088"/>
+            <a:ext cx="853938" cy="144550"/>
           </a:xfrm>
           <a:prstGeom prst="bentConnector3">
             <a:avLst>
-              <a:gd name="adj1" fmla="val 50000"/>
+              <a:gd name="adj1" fmla="val 100598"/>
             </a:avLst>
           </a:prstGeom>
           <a:ln w="12700">
@@ -3100,8 +2799,8 @@
         </p:nvSpPr>
         <p:spPr>
           <a:xfrm>
-            <a:off x="4331210" y="1891101"/>
-            <a:ext cx="1462730" cy="357473"/>
+            <a:off x="2723282" y="1897104"/>
+            <a:ext cx="1165430" cy="357473"/>
           </a:xfrm>
           <a:prstGeom prst="rect">
             <a:avLst/>
@@ -3137,14 +2836,22 @@
           <a:p>
             <a:pPr algn="ctr"/>
             <a:r>
-              <a:rPr lang="es-ES" sz="1050" dirty="0" smtClean="0">
+              <a:rPr lang="es-ES" sz="900" dirty="0" smtClean="0">
                 <a:solidFill>
                   <a:schemeClr val="bg1"/>
                 </a:solidFill>
               </a:rPr>
-              <a:t>Sistema de numeración decimal</a:t>
-            </a:r>
-            <a:endParaRPr lang="es-ES" sz="1050" dirty="0">
+              <a:t>sistema </a:t>
+            </a:r>
+            <a:r>
+              <a:rPr lang="es-ES" sz="900" dirty="0" smtClean="0">
+                <a:solidFill>
+                  <a:schemeClr val="bg1"/>
+                </a:solidFill>
+              </a:rPr>
+              <a:t>de numeración decimal</a:t>
+            </a:r>
+            <a:endParaRPr lang="es-ES" sz="900" dirty="0">
               <a:solidFill>
                 <a:schemeClr val="bg1"/>
               </a:solidFill>
@@ -3160,8 +2867,8 @@
         </p:nvSpPr>
         <p:spPr>
           <a:xfrm>
-            <a:off x="1757448" y="2770024"/>
-            <a:ext cx="1122431" cy="343441"/>
+            <a:off x="1471699" y="2606828"/>
+            <a:ext cx="637905" cy="193400"/>
           </a:xfrm>
           <a:prstGeom prst="rect">
             <a:avLst/>
@@ -3202,7 +2909,7 @@
                   <a:schemeClr val="tx1"/>
                 </a:solidFill>
               </a:rPr>
-              <a:t>Egipcio</a:t>
+              <a:t>El egipcio</a:t>
             </a:r>
             <a:endParaRPr lang="es-ES" sz="900" dirty="0">
               <a:solidFill>
@@ -3220,8 +2927,8 @@
         </p:nvSpPr>
         <p:spPr>
           <a:xfrm>
-            <a:off x="837931" y="2363665"/>
-            <a:ext cx="1122431" cy="230832"/>
+            <a:off x="751960" y="2304962"/>
+            <a:ext cx="749709" cy="230832"/>
           </a:xfrm>
           <a:prstGeom prst="rect">
             <a:avLst/>
@@ -3237,123 +2944,12 @@
             <a:pPr algn="ctr"/>
             <a:r>
               <a:rPr lang="es-ES" sz="900" dirty="0" smtClean="0"/>
-              <a:t>como</a:t>
+              <a:t>tales como</a:t>
             </a:r>
             <a:endParaRPr lang="es-ES" sz="900" dirty="0"/>
           </a:p>
         </p:txBody>
       </p:sp>
-      <p:cxnSp>
-        <p:nvCxnSpPr>
-          <p:cNvPr id="158" name="Conector angular 220"/>
-          <p:cNvCxnSpPr/>
-          <p:nvPr/>
-        </p:nvCxnSpPr>
-        <p:spPr>
-          <a:xfrm rot="5400000">
-            <a:off x="1031007" y="2355116"/>
-            <a:ext cx="143030" cy="621793"/>
-          </a:xfrm>
-          <a:prstGeom prst="bentConnector3">
-            <a:avLst>
-              <a:gd name="adj1" fmla="val 50000"/>
-            </a:avLst>
-          </a:prstGeom>
-          <a:ln w="12700">
-            <a:solidFill>
-              <a:schemeClr val="tx1"/>
-            </a:solidFill>
-          </a:ln>
-        </p:spPr>
-        <p:style>
-          <a:lnRef idx="1">
-            <a:schemeClr val="accent1"/>
-          </a:lnRef>
-          <a:fillRef idx="0">
-            <a:schemeClr val="accent1"/>
-          </a:fillRef>
-          <a:effectRef idx="0">
-            <a:schemeClr val="accent1"/>
-          </a:effectRef>
-          <a:fontRef idx="minor">
-            <a:schemeClr val="tx1"/>
-          </a:fontRef>
-        </p:style>
-      </p:cxnSp>
-      <p:cxnSp>
-        <p:nvCxnSpPr>
-          <p:cNvPr id="159" name="Conector angular 280"/>
-          <p:cNvCxnSpPr/>
-          <p:nvPr/>
-        </p:nvCxnSpPr>
-        <p:spPr>
-          <a:xfrm rot="16200000" flipH="1">
-            <a:off x="1964015" y="2043899"/>
-            <a:ext cx="143029" cy="1244223"/>
-          </a:xfrm>
-          <a:prstGeom prst="bentConnector3">
-            <a:avLst>
-              <a:gd name="adj1" fmla="val 50000"/>
-            </a:avLst>
-          </a:prstGeom>
-          <a:ln w="12700">
-            <a:solidFill>
-              <a:schemeClr val="tx1"/>
-            </a:solidFill>
-          </a:ln>
-        </p:spPr>
-        <p:style>
-          <a:lnRef idx="1">
-            <a:schemeClr val="accent1"/>
-          </a:lnRef>
-          <a:fillRef idx="0">
-            <a:schemeClr val="accent1"/>
-          </a:fillRef>
-          <a:effectRef idx="0">
-            <a:schemeClr val="accent1"/>
-          </a:effectRef>
-          <a:fontRef idx="minor">
-            <a:schemeClr val="tx1"/>
-          </a:fontRef>
-        </p:style>
-      </p:cxnSp>
-      <p:cxnSp>
-        <p:nvCxnSpPr>
-          <p:cNvPr id="169" name="Conector angular 81"/>
-          <p:cNvCxnSpPr/>
-          <p:nvPr/>
-        </p:nvCxnSpPr>
-        <p:spPr>
-          <a:xfrm rot="16200000" flipH="1">
-            <a:off x="2156293" y="3200136"/>
-            <a:ext cx="152651" cy="876"/>
-          </a:xfrm>
-          <a:prstGeom prst="bentConnector3">
-            <a:avLst>
-              <a:gd name="adj1" fmla="val 50000"/>
-            </a:avLst>
-          </a:prstGeom>
-          <a:ln w="12700">
-            <a:solidFill>
-              <a:schemeClr val="tx1"/>
-            </a:solidFill>
-          </a:ln>
-        </p:spPr>
-        <p:style>
-          <a:lnRef idx="1">
-            <a:schemeClr val="accent1"/>
-          </a:lnRef>
-          <a:fillRef idx="0">
-            <a:schemeClr val="accent1"/>
-          </a:fillRef>
-          <a:effectRef idx="0">
-            <a:schemeClr val="accent1"/>
-          </a:effectRef>
-          <a:fontRef idx="minor">
-            <a:schemeClr val="tx1"/>
-          </a:fontRef>
-        </p:style>
-      </p:cxnSp>
       <p:cxnSp>
         <p:nvCxnSpPr>
           <p:cNvPr id="172" name="Conector angular 81"/>
@@ -3425,19 +3021,17 @@
       <p:cxnSp>
         <p:nvCxnSpPr>
           <p:cNvPr id="178" name="Conector angular 311"/>
-          <p:cNvCxnSpPr>
-            <a:endCxn id="177" idx="0"/>
-          </p:cNvCxnSpPr>
+          <p:cNvCxnSpPr/>
           <p:nvPr/>
         </p:nvCxnSpPr>
         <p:spPr>
           <a:xfrm rot="5400000">
-            <a:off x="3460450" y="2471903"/>
-            <a:ext cx="166639" cy="877"/>
+            <a:off x="1623634" y="1693864"/>
+            <a:ext cx="385128" cy="12700"/>
           </a:xfrm>
           <a:prstGeom prst="bentConnector3">
             <a:avLst>
-              <a:gd name="adj1" fmla="val 50000"/>
+              <a:gd name="adj1" fmla="val 99525"/>
             </a:avLst>
           </a:prstGeom>
           <a:ln w="12700">
@@ -4142,6 +3736,448 @@
         <p:spPr>
           <a:xfrm rot="5400000">
             <a:off x="7499671" y="2657992"/>
+            <a:ext cx="166639" cy="877"/>
+          </a:xfrm>
+          <a:prstGeom prst="bentConnector3">
+            <a:avLst>
+              <a:gd name="adj1" fmla="val 50000"/>
+            </a:avLst>
+          </a:prstGeom>
+          <a:ln w="12700">
+            <a:solidFill>
+              <a:schemeClr val="tx1"/>
+            </a:solidFill>
+          </a:ln>
+        </p:spPr>
+        <p:style>
+          <a:lnRef idx="1">
+            <a:schemeClr val="accent1"/>
+          </a:lnRef>
+          <a:fillRef idx="0">
+            <a:schemeClr val="accent1"/>
+          </a:fillRef>
+          <a:effectRef idx="0">
+            <a:schemeClr val="accent1"/>
+          </a:effectRef>
+          <a:fontRef idx="minor">
+            <a:schemeClr val="tx1"/>
+          </a:fontRef>
+        </p:style>
+      </p:cxnSp>
+      <p:sp>
+        <p:nvSpPr>
+          <p:cNvPr id="83" name="Rectángulo 82" descr="Nodo de primer nivel" title="Nodo01"/>
+          <p:cNvSpPr/>
+          <p:nvPr/>
+        </p:nvSpPr>
+        <p:spPr>
+          <a:xfrm>
+            <a:off x="6538029" y="737830"/>
+            <a:ext cx="1634712" cy="458356"/>
+          </a:xfrm>
+          <a:prstGeom prst="rect">
+            <a:avLst/>
+          </a:prstGeom>
+          <a:solidFill>
+            <a:schemeClr val="bg1"/>
+          </a:solidFill>
+          <a:ln>
+            <a:solidFill>
+              <a:schemeClr val="tx1"/>
+            </a:solidFill>
+          </a:ln>
+          <a:effectLst>
+            <a:outerShdw blurRad="50800" dist="38100" dir="2700000" algn="tl" rotWithShape="0">
+              <a:prstClr val="black">
+                <a:alpha val="40000"/>
+              </a:prstClr>
+            </a:outerShdw>
+          </a:effectLst>
+        </p:spPr>
+        <p:style>
+          <a:lnRef idx="2">
+            <a:schemeClr val="accent6"/>
+          </a:lnRef>
+          <a:fillRef idx="1">
+            <a:schemeClr val="lt1"/>
+          </a:fillRef>
+          <a:effectRef idx="0">
+            <a:schemeClr val="accent6"/>
+          </a:effectRef>
+          <a:fontRef idx="minor">
+            <a:schemeClr val="dk1"/>
+          </a:fontRef>
+        </p:style>
+        <p:txBody>
+          <a:bodyPr rtlCol="0" anchor="ctr"/>
+          <a:lstStyle/>
+          <a:p>
+            <a:pPr algn="ctr"/>
+            <a:r>
+              <a:rPr lang="es-ES" sz="1200" b="1" dirty="0" smtClean="0"/>
+              <a:t>La aproximación de los números naturales</a:t>
+            </a:r>
+            <a:endParaRPr lang="es-ES" sz="1200" b="1" dirty="0"/>
+          </a:p>
+        </p:txBody>
+      </p:sp>
+      <p:cxnSp>
+        <p:nvCxnSpPr>
+          <p:cNvPr id="118" name="Conector angular 117"/>
+          <p:cNvCxnSpPr/>
+          <p:nvPr/>
+        </p:nvCxnSpPr>
+        <p:spPr>
+          <a:xfrm rot="5400000">
+            <a:off x="3133108" y="-839025"/>
+            <a:ext cx="307772" cy="2876051"/>
+          </a:xfrm>
+          <a:prstGeom prst="bentConnector3">
+            <a:avLst>
+              <a:gd name="adj1" fmla="val 50000"/>
+            </a:avLst>
+          </a:prstGeom>
+          <a:ln w="12700">
+            <a:solidFill>
+              <a:schemeClr val="tx1"/>
+            </a:solidFill>
+          </a:ln>
+        </p:spPr>
+        <p:style>
+          <a:lnRef idx="1">
+            <a:schemeClr val="accent1"/>
+          </a:lnRef>
+          <a:fillRef idx="0">
+            <a:schemeClr val="accent1"/>
+          </a:fillRef>
+          <a:effectRef idx="0">
+            <a:schemeClr val="accent1"/>
+          </a:effectRef>
+          <a:fontRef idx="minor">
+            <a:schemeClr val="tx1"/>
+          </a:fontRef>
+        </p:style>
+      </p:cxnSp>
+      <p:cxnSp>
+        <p:nvCxnSpPr>
+          <p:cNvPr id="119" name="Conector angular 118"/>
+          <p:cNvCxnSpPr/>
+          <p:nvPr/>
+        </p:nvCxnSpPr>
+        <p:spPr>
+          <a:xfrm rot="5400000">
+            <a:off x="1794985" y="1247863"/>
+            <a:ext cx="130273" cy="75147"/>
+          </a:xfrm>
+          <a:prstGeom prst="bentConnector3">
+            <a:avLst>
+              <a:gd name="adj1" fmla="val -7619"/>
+            </a:avLst>
+          </a:prstGeom>
+          <a:ln w="12700">
+            <a:solidFill>
+              <a:schemeClr val="tx1"/>
+            </a:solidFill>
+          </a:ln>
+        </p:spPr>
+        <p:style>
+          <a:lnRef idx="1">
+            <a:schemeClr val="accent1"/>
+          </a:lnRef>
+          <a:fillRef idx="0">
+            <a:schemeClr val="accent1"/>
+          </a:fillRef>
+          <a:effectRef idx="0">
+            <a:schemeClr val="accent1"/>
+          </a:effectRef>
+          <a:fontRef idx="minor">
+            <a:schemeClr val="tx1"/>
+          </a:fontRef>
+        </p:style>
+      </p:cxnSp>
+      <p:cxnSp>
+        <p:nvCxnSpPr>
+          <p:cNvPr id="128" name="Conector angular 280"/>
+          <p:cNvCxnSpPr/>
+          <p:nvPr/>
+        </p:nvCxnSpPr>
+        <p:spPr>
+          <a:xfrm rot="16200000" flipH="1">
+            <a:off x="2384286" y="1191523"/>
+            <a:ext cx="143029" cy="1244223"/>
+          </a:xfrm>
+          <a:prstGeom prst="bentConnector3">
+            <a:avLst>
+              <a:gd name="adj1" fmla="val -6202"/>
+            </a:avLst>
+          </a:prstGeom>
+          <a:ln w="12700">
+            <a:solidFill>
+              <a:schemeClr val="tx1"/>
+            </a:solidFill>
+          </a:ln>
+        </p:spPr>
+        <p:style>
+          <a:lnRef idx="1">
+            <a:schemeClr val="accent1"/>
+          </a:lnRef>
+          <a:fillRef idx="0">
+            <a:schemeClr val="accent1"/>
+          </a:fillRef>
+          <a:effectRef idx="0">
+            <a:schemeClr val="accent1"/>
+          </a:effectRef>
+          <a:fontRef idx="minor">
+            <a:schemeClr val="tx1"/>
+          </a:fontRef>
+        </p:style>
+      </p:cxnSp>
+      <p:sp>
+        <p:nvSpPr>
+          <p:cNvPr id="153" name="CuadroTexto 217" descr="Conector entre nodos" title="conector"/>
+          <p:cNvSpPr txBox="1"/>
+          <p:nvPr/>
+        </p:nvSpPr>
+        <p:spPr>
+          <a:xfrm>
+            <a:off x="485324" y="2996536"/>
+            <a:ext cx="981956" cy="230832"/>
+          </a:xfrm>
+          <a:prstGeom prst="rect">
+            <a:avLst/>
+          </a:prstGeom>
+          <a:noFill/>
+        </p:spPr>
+        <p:txBody>
+          <a:bodyPr wrap="square" rtlCol="0">
+            <a:spAutoFit/>
+          </a:bodyPr>
+          <a:lstStyle/>
+          <a:p>
+            <a:pPr algn="ctr"/>
+            <a:r>
+              <a:rPr lang="es-ES" sz="900" dirty="0" smtClean="0"/>
+              <a:t>sus símbolos son</a:t>
+            </a:r>
+            <a:endParaRPr lang="es-ES" sz="900" dirty="0"/>
+          </a:p>
+        </p:txBody>
+      </p:sp>
+      <p:sp>
+        <p:nvSpPr>
+          <p:cNvPr id="156" name="Rectángulo 155" descr="Nodo de cuarto nivel&#10;" title="Nodo04"/>
+          <p:cNvSpPr/>
+          <p:nvPr/>
+        </p:nvSpPr>
+        <p:spPr>
+          <a:xfrm>
+            <a:off x="521626" y="3376349"/>
+            <a:ext cx="936835" cy="205126"/>
+          </a:xfrm>
+          <a:prstGeom prst="rect">
+            <a:avLst/>
+          </a:prstGeom>
+          <a:solidFill>
+            <a:schemeClr val="bg1"/>
+          </a:solidFill>
+          <a:ln>
+            <a:solidFill>
+              <a:schemeClr val="tx1"/>
+            </a:solidFill>
+          </a:ln>
+        </p:spPr>
+        <p:style>
+          <a:lnRef idx="2">
+            <a:schemeClr val="accent6"/>
+          </a:lnRef>
+          <a:fillRef idx="1">
+            <a:schemeClr val="lt1"/>
+          </a:fillRef>
+          <a:effectRef idx="0">
+            <a:schemeClr val="accent6"/>
+          </a:effectRef>
+          <a:fontRef idx="minor">
+            <a:schemeClr val="dk1"/>
+          </a:fontRef>
+        </p:style>
+        <p:txBody>
+          <a:bodyPr rtlCol="0" anchor="ctr"/>
+          <a:lstStyle/>
+          <a:p>
+            <a:pPr algn="ctr"/>
+            <a:r>
+              <a:rPr lang="es-ES" sz="900" dirty="0" smtClean="0">
+                <a:solidFill>
+                  <a:schemeClr val="tx1"/>
+                </a:solidFill>
+              </a:rPr>
+              <a:t>I, V, X, L, C, D, M</a:t>
+            </a:r>
+            <a:endParaRPr lang="es-ES" sz="900" dirty="0">
+              <a:solidFill>
+                <a:schemeClr val="tx1"/>
+              </a:solidFill>
+            </a:endParaRPr>
+          </a:p>
+        </p:txBody>
+      </p:sp>
+      <p:cxnSp>
+        <p:nvCxnSpPr>
+          <p:cNvPr id="160" name="Conector angular 311"/>
+          <p:cNvCxnSpPr/>
+          <p:nvPr/>
+        </p:nvCxnSpPr>
+        <p:spPr>
+          <a:xfrm rot="5400000">
+            <a:off x="3448393" y="2486103"/>
+            <a:ext cx="125710" cy="29759"/>
+          </a:xfrm>
+          <a:prstGeom prst="bentConnector3">
+            <a:avLst>
+              <a:gd name="adj1" fmla="val 50000"/>
+            </a:avLst>
+          </a:prstGeom>
+          <a:ln w="12700">
+            <a:solidFill>
+              <a:schemeClr val="tx1"/>
+            </a:solidFill>
+          </a:ln>
+        </p:spPr>
+        <p:style>
+          <a:lnRef idx="1">
+            <a:schemeClr val="accent1"/>
+          </a:lnRef>
+          <a:fillRef idx="0">
+            <a:schemeClr val="accent1"/>
+          </a:fillRef>
+          <a:effectRef idx="0">
+            <a:schemeClr val="accent1"/>
+          </a:effectRef>
+          <a:fontRef idx="minor">
+            <a:schemeClr val="tx1"/>
+          </a:fontRef>
+        </p:style>
+      </p:cxnSp>
+      <p:cxnSp>
+        <p:nvCxnSpPr>
+          <p:cNvPr id="161" name="Conector angular 311"/>
+          <p:cNvCxnSpPr/>
+          <p:nvPr/>
+        </p:nvCxnSpPr>
+        <p:spPr>
+          <a:xfrm rot="5400000">
+            <a:off x="909622" y="3283196"/>
+            <a:ext cx="166639" cy="877"/>
+          </a:xfrm>
+          <a:prstGeom prst="bentConnector3">
+            <a:avLst>
+              <a:gd name="adj1" fmla="val 50000"/>
+            </a:avLst>
+          </a:prstGeom>
+          <a:ln w="12700">
+            <a:solidFill>
+              <a:schemeClr val="tx1"/>
+            </a:solidFill>
+          </a:ln>
+        </p:spPr>
+        <p:style>
+          <a:lnRef idx="1">
+            <a:schemeClr val="accent1"/>
+          </a:lnRef>
+          <a:fillRef idx="0">
+            <a:schemeClr val="accent1"/>
+          </a:fillRef>
+          <a:effectRef idx="0">
+            <a:schemeClr val="accent1"/>
+          </a:effectRef>
+          <a:fontRef idx="minor">
+            <a:schemeClr val="tx1"/>
+          </a:fontRef>
+        </p:style>
+      </p:cxnSp>
+      <p:cxnSp>
+        <p:nvCxnSpPr>
+          <p:cNvPr id="162" name="Conector angular 311"/>
+          <p:cNvCxnSpPr/>
+          <p:nvPr/>
+        </p:nvCxnSpPr>
+        <p:spPr>
+          <a:xfrm rot="5400000">
+            <a:off x="900869" y="2574877"/>
+            <a:ext cx="166639" cy="877"/>
+          </a:xfrm>
+          <a:prstGeom prst="bentConnector3">
+            <a:avLst>
+              <a:gd name="adj1" fmla="val 50000"/>
+            </a:avLst>
+          </a:prstGeom>
+          <a:ln w="12700">
+            <a:solidFill>
+              <a:schemeClr val="tx1"/>
+            </a:solidFill>
+          </a:ln>
+        </p:spPr>
+        <p:style>
+          <a:lnRef idx="1">
+            <a:schemeClr val="accent1"/>
+          </a:lnRef>
+          <a:fillRef idx="0">
+            <a:schemeClr val="accent1"/>
+          </a:fillRef>
+          <a:effectRef idx="0">
+            <a:schemeClr val="accent1"/>
+          </a:effectRef>
+          <a:fontRef idx="minor">
+            <a:schemeClr val="tx1"/>
+          </a:fontRef>
+        </p:style>
+      </p:cxnSp>
+      <p:cxnSp>
+        <p:nvCxnSpPr>
+          <p:cNvPr id="163" name="Conector angular 311"/>
+          <p:cNvCxnSpPr/>
+          <p:nvPr/>
+        </p:nvCxnSpPr>
+        <p:spPr>
+          <a:xfrm rot="5400000">
+            <a:off x="912400" y="2275109"/>
+            <a:ext cx="166639" cy="877"/>
+          </a:xfrm>
+          <a:prstGeom prst="bentConnector3">
+            <a:avLst>
+              <a:gd name="adj1" fmla="val 50000"/>
+            </a:avLst>
+          </a:prstGeom>
+          <a:ln w="12700">
+            <a:solidFill>
+              <a:schemeClr val="tx1"/>
+            </a:solidFill>
+          </a:ln>
+        </p:spPr>
+        <p:style>
+          <a:lnRef idx="1">
+            <a:schemeClr val="accent1"/>
+          </a:lnRef>
+          <a:fillRef idx="0">
+            <a:schemeClr val="accent1"/>
+          </a:fillRef>
+          <a:effectRef idx="0">
+            <a:schemeClr val="accent1"/>
+          </a:effectRef>
+          <a:fontRef idx="minor">
+            <a:schemeClr val="tx1"/>
+          </a:fontRef>
+        </p:style>
+      </p:cxnSp>
+      <p:cxnSp>
+        <p:nvCxnSpPr>
+          <p:cNvPr id="168" name="Conector angular 311"/>
+          <p:cNvCxnSpPr/>
+          <p:nvPr/>
+        </p:nvCxnSpPr>
+        <p:spPr>
+          <a:xfrm rot="5400000">
+            <a:off x="893421" y="2971907"/>
             <a:ext cx="166639" cy="877"/>
           </a:xfrm>
           <a:prstGeom prst="bentConnector3">
@@ -4183,7 +4219,7 @@
   <p:timing>
     <p:tnLst>
       <p:par>
-        <p:cTn xmlns:p14="http://schemas.microsoft.com/office/powerpoint/2010/main" id="1" dur="indefinite" restart="never" nodeType="tmRoot"/>
+        <p:cTn id="1" dur="indefinite" restart="never" nodeType="tmRoot"/>
       </p:par>
     </p:tnLst>
   </p:timing>
@@ -4445,7 +4481,7 @@
   <a:extraClrSchemeLst/>
   <a:extLst>
     <a:ext uri="{05A4C25C-085E-4340-85A3-A5531E510DB2}">
-      <thm15:themeFamily xmlns:thm15="http://schemas.microsoft.com/office/thememl/2012/main" xmlns="" name="Office Theme" id="{62F939B6-93AF-4DB8-9C6B-D6C7DFDC589F}" vid="{4A3C46E8-61CC-4603-A589-7422A47A8E4A}"/>
+      <thm15:themeFamily xmlns:thm15="http://schemas.microsoft.com/office/thememl/2012/main" name="Office Theme" id="{62F939B6-93AF-4DB8-9C6B-D6C7DFDC589F}" vid="{4A3C46E8-61CC-4603-A589-7422A47A8E4A}"/>
     </a:ext>
   </a:extLst>
 </a:theme>

--- a/fuentes/contenidos/grado06/guion02/MA_06_02_CO_Mapa conceptual.pptx
+++ b/fuentes/contenidos/grado06/guion02/MA_06_02_CO_Mapa conceptual.pptx
@@ -108,7 +108,7 @@
   </p:defaultTextStyle>
   <p:extLst>
     <p:ext uri="{EFAFB233-063F-42B5-8137-9DF3F51BA10A}">
-      <p15:sldGuideLst xmlns:p15="http://schemas.microsoft.com/office/powerpoint/2012/main">
+      <p15:sldGuideLst xmlns:p15="http://schemas.microsoft.com/office/powerpoint/2012/main" xmlns="">
         <p15:guide id="1" orient="horz" pos="2160">
           <p15:clr>
             <a:srgbClr val="A4A3A4"/>
@@ -155,7 +155,7 @@
   <p:timing>
     <p:tnLst>
       <p:par>
-        <p:cTn id="1" dur="indefinite" restart="never" nodeType="tmRoot"/>
+        <p:cTn xmlns:p14="http://schemas.microsoft.com/office/powerpoint/2010/main" id="1" dur="indefinite" restart="never" nodeType="tmRoot"/>
       </p:par>
     </p:tnLst>
   </p:timing>
@@ -192,7 +192,7 @@
   <p:timing>
     <p:tnLst>
       <p:par>
-        <p:cTn id="1" dur="indefinite" restart="never" nodeType="tmRoot"/>
+        <p:cTn xmlns:p14="http://schemas.microsoft.com/office/powerpoint/2010/main" id="1" dur="indefinite" restart="never" nodeType="tmRoot"/>
       </p:par>
     </p:tnLst>
   </p:timing>
@@ -229,7 +229,7 @@
   <p:timing>
     <p:tnLst>
       <p:par>
-        <p:cTn id="1" dur="indefinite" restart="never" nodeType="tmRoot"/>
+        <p:cTn xmlns:p14="http://schemas.microsoft.com/office/powerpoint/2010/main" id="1" dur="indefinite" restart="never" nodeType="tmRoot"/>
       </p:par>
     </p:tnLst>
   </p:timing>
@@ -367,7 +367,7 @@
           <a:p>
             <a:fld id="{D753C377-1601-4951-A2FB-AAFCF4178A63}" type="datetimeFigureOut">
               <a:rPr lang="es-CO" smtClean="0"/>
-              <a:t>20/09/2015</a:t>
+              <a:t>25/10/15</a:t>
             </a:fld>
             <a:endParaRPr lang="es-CO"/>
           </a:p>
@@ -409,7 +409,7 @@
           <a:p>
             <a:fld id="{166B6605-EDD6-460A-BEC0-99D067582C15}" type="slidenum">
               <a:rPr lang="es-CO" smtClean="0"/>
-              <a:t>‹Nº›</a:t>
+              <a:t>‹Nr.›</a:t>
             </a:fld>
             <a:endParaRPr lang="es-CO"/>
           </a:p>
@@ -537,7 +537,7 @@
           <a:p>
             <a:fld id="{D753C377-1601-4951-A2FB-AAFCF4178A63}" type="datetimeFigureOut">
               <a:rPr lang="es-CO" smtClean="0"/>
-              <a:t>20/09/2015</a:t>
+              <a:t>25/10/15</a:t>
             </a:fld>
             <a:endParaRPr lang="es-CO"/>
           </a:p>
@@ -579,7 +579,7 @@
           <a:p>
             <a:fld id="{166B6605-EDD6-460A-BEC0-99D067582C15}" type="slidenum">
               <a:rPr lang="es-CO" smtClean="0"/>
-              <a:t>‹Nº›</a:t>
+              <a:t>‹Nr.›</a:t>
             </a:fld>
             <a:endParaRPr lang="es-CO"/>
           </a:p>
@@ -783,7 +783,7 @@
           <a:p>
             <a:fld id="{D753C377-1601-4951-A2FB-AAFCF4178A63}" type="datetimeFigureOut">
               <a:rPr lang="es-CO" smtClean="0"/>
-              <a:t>20/09/2015</a:t>
+              <a:t>25/10/15</a:t>
             </a:fld>
             <a:endParaRPr lang="es-CO"/>
           </a:p>
@@ -825,7 +825,7 @@
           <a:p>
             <a:fld id="{166B6605-EDD6-460A-BEC0-99D067582C15}" type="slidenum">
               <a:rPr lang="es-CO" smtClean="0"/>
-              <a:t>‹Nº›</a:t>
+              <a:t>‹Nr.›</a:t>
             </a:fld>
             <a:endParaRPr lang="es-CO"/>
           </a:p>
@@ -1015,7 +1015,7 @@
           <a:p>
             <a:fld id="{D753C377-1601-4951-A2FB-AAFCF4178A63}" type="datetimeFigureOut">
               <a:rPr lang="es-CO" smtClean="0"/>
-              <a:t>20/09/2015</a:t>
+              <a:t>25/10/15</a:t>
             </a:fld>
             <a:endParaRPr lang="es-CO"/>
           </a:p>
@@ -1057,7 +1057,7 @@
           <a:p>
             <a:fld id="{166B6605-EDD6-460A-BEC0-99D067582C15}" type="slidenum">
               <a:rPr lang="es-CO" smtClean="0"/>
-              <a:t>‹Nº›</a:t>
+              <a:t>‹Nr.›</a:t>
             </a:fld>
             <a:endParaRPr lang="es-CO"/>
           </a:p>
@@ -1382,7 +1382,7 @@
           <a:p>
             <a:fld id="{D753C377-1601-4951-A2FB-AAFCF4178A63}" type="datetimeFigureOut">
               <a:rPr lang="es-CO" smtClean="0"/>
-              <a:t>20/09/2015</a:t>
+              <a:t>25/10/15</a:t>
             </a:fld>
             <a:endParaRPr lang="es-CO"/>
           </a:p>
@@ -1424,7 +1424,7 @@
           <a:p>
             <a:fld id="{166B6605-EDD6-460A-BEC0-99D067582C15}" type="slidenum">
               <a:rPr lang="es-CO" smtClean="0"/>
-              <a:t>‹Nº›</a:t>
+              <a:t>‹Nr.›</a:t>
             </a:fld>
             <a:endParaRPr lang="es-CO"/>
           </a:p>
@@ -1500,7 +1500,7 @@
           <a:p>
             <a:fld id="{D753C377-1601-4951-A2FB-AAFCF4178A63}" type="datetimeFigureOut">
               <a:rPr lang="es-CO" smtClean="0"/>
-              <a:t>20/09/2015</a:t>
+              <a:t>25/10/15</a:t>
             </a:fld>
             <a:endParaRPr lang="es-CO"/>
           </a:p>
@@ -1542,7 +1542,7 @@
           <a:p>
             <a:fld id="{166B6605-EDD6-460A-BEC0-99D067582C15}" type="slidenum">
               <a:rPr lang="es-CO" smtClean="0"/>
-              <a:t>‹Nº›</a:t>
+              <a:t>‹Nr.›</a:t>
             </a:fld>
             <a:endParaRPr lang="es-CO"/>
           </a:p>
@@ -1595,7 +1595,7 @@
           <a:p>
             <a:fld id="{D753C377-1601-4951-A2FB-AAFCF4178A63}" type="datetimeFigureOut">
               <a:rPr lang="es-CO" smtClean="0"/>
-              <a:t>20/09/2015</a:t>
+              <a:t>25/10/15</a:t>
             </a:fld>
             <a:endParaRPr lang="es-CO"/>
           </a:p>
@@ -1637,7 +1637,7 @@
           <a:p>
             <a:fld id="{166B6605-EDD6-460A-BEC0-99D067582C15}" type="slidenum">
               <a:rPr lang="es-CO" smtClean="0"/>
-              <a:t>‹Nº›</a:t>
+              <a:t>‹Nr.›</a:t>
             </a:fld>
             <a:endParaRPr lang="es-CO"/>
           </a:p>
@@ -1872,7 +1872,7 @@
           <a:p>
             <a:fld id="{D753C377-1601-4951-A2FB-AAFCF4178A63}" type="datetimeFigureOut">
               <a:rPr lang="es-CO" smtClean="0"/>
-              <a:t>20/09/2015</a:t>
+              <a:t>25/10/15</a:t>
             </a:fld>
             <a:endParaRPr lang="es-CO"/>
           </a:p>
@@ -1914,7 +1914,7 @@
           <a:p>
             <a:fld id="{166B6605-EDD6-460A-BEC0-99D067582C15}" type="slidenum">
               <a:rPr lang="es-CO" smtClean="0"/>
-              <a:t>‹Nº›</a:t>
+              <a:t>‹Nr.›</a:t>
             </a:fld>
             <a:endParaRPr lang="es-CO"/>
           </a:p>
@@ -1963,7 +1963,7 @@
   <p:timing>
     <p:tnLst>
       <p:par>
-        <p:cTn id="1" dur="indefinite" restart="never" nodeType="tmRoot"/>
+        <p:cTn xmlns:p14="http://schemas.microsoft.com/office/powerpoint/2010/main" id="1" dur="indefinite" restart="never" nodeType="tmRoot"/>
       </p:par>
     </p:tnLst>
   </p:timing>
@@ -2162,7 +2162,7 @@
           <a:p>
             <a:fld id="{D753C377-1601-4951-A2FB-AAFCF4178A63}" type="datetimeFigureOut">
               <a:rPr lang="es-CO" smtClean="0"/>
-              <a:t>20/09/2015</a:t>
+              <a:t>25/10/15</a:t>
             </a:fld>
             <a:endParaRPr lang="es-CO"/>
           </a:p>
@@ -2204,7 +2204,7 @@
           <a:p>
             <a:fld id="{166B6605-EDD6-460A-BEC0-99D067582C15}" type="slidenum">
               <a:rPr lang="es-CO" smtClean="0"/>
-              <a:t>‹Nº›</a:t>
+              <a:t>‹Nr.›</a:t>
             </a:fld>
             <a:endParaRPr lang="es-CO"/>
           </a:p>
@@ -2332,7 +2332,7 @@
           <a:p>
             <a:fld id="{D753C377-1601-4951-A2FB-AAFCF4178A63}" type="datetimeFigureOut">
               <a:rPr lang="es-CO" smtClean="0"/>
-              <a:t>20/09/2015</a:t>
+              <a:t>25/10/15</a:t>
             </a:fld>
             <a:endParaRPr lang="es-CO"/>
           </a:p>
@@ -2374,7 +2374,7 @@
           <a:p>
             <a:fld id="{166B6605-EDD6-460A-BEC0-99D067582C15}" type="slidenum">
               <a:rPr lang="es-CO" smtClean="0"/>
-              <a:t>‹Nº›</a:t>
+              <a:t>‹Nr.›</a:t>
             </a:fld>
             <a:endParaRPr lang="es-CO"/>
           </a:p>
@@ -2512,7 +2512,7 @@
           <a:p>
             <a:fld id="{D753C377-1601-4951-A2FB-AAFCF4178A63}" type="datetimeFigureOut">
               <a:rPr lang="es-CO" smtClean="0"/>
-              <a:t>20/09/2015</a:t>
+              <a:t>25/10/15</a:t>
             </a:fld>
             <a:endParaRPr lang="es-CO"/>
           </a:p>
@@ -2554,7 +2554,7 @@
           <a:p>
             <a:fld id="{166B6605-EDD6-460A-BEC0-99D067582C15}" type="slidenum">
               <a:rPr lang="es-CO" smtClean="0"/>
-              <a:t>‹Nº›</a:t>
+              <a:t>‹Nr.›</a:t>
             </a:fld>
             <a:endParaRPr lang="es-CO"/>
           </a:p>
@@ -2704,7 +2704,7 @@
           <a:p>
             <a:fld id="{63A4975C-3C38-4B4F-A092-D12D5E7CDC29}" type="datetimeFigureOut">
               <a:rPr lang="es-CO" smtClean="0"/>
-              <a:t>20/09/2015</a:t>
+              <a:t>25/10/15</a:t>
             </a:fld>
             <a:endParaRPr lang="es-CO"/>
           </a:p>
@@ -2746,7 +2746,7 @@
           <a:p>
             <a:fld id="{5EBC1990-382E-4459-B7D8-8B1AD26C69BA}" type="slidenum">
               <a:rPr lang="es-CO" smtClean="0"/>
-              <a:t>‹Nº›</a:t>
+              <a:t>‹Nr.›</a:t>
             </a:fld>
             <a:endParaRPr lang="es-CO"/>
           </a:p>
@@ -2874,7 +2874,7 @@
           <a:p>
             <a:fld id="{63A4975C-3C38-4B4F-A092-D12D5E7CDC29}" type="datetimeFigureOut">
               <a:rPr lang="es-CO" smtClean="0"/>
-              <a:t>20/09/2015</a:t>
+              <a:t>25/10/15</a:t>
             </a:fld>
             <a:endParaRPr lang="es-CO"/>
           </a:p>
@@ -2916,7 +2916,7 @@
           <a:p>
             <a:fld id="{5EBC1990-382E-4459-B7D8-8B1AD26C69BA}" type="slidenum">
               <a:rPr lang="es-CO" smtClean="0"/>
-              <a:t>‹Nº›</a:t>
+              <a:t>‹Nr.›</a:t>
             </a:fld>
             <a:endParaRPr lang="es-CO"/>
           </a:p>
@@ -3120,7 +3120,7 @@
           <a:p>
             <a:fld id="{63A4975C-3C38-4B4F-A092-D12D5E7CDC29}" type="datetimeFigureOut">
               <a:rPr lang="es-CO" smtClean="0"/>
-              <a:t>20/09/2015</a:t>
+              <a:t>25/10/15</a:t>
             </a:fld>
             <a:endParaRPr lang="es-CO"/>
           </a:p>
@@ -3162,7 +3162,7 @@
           <a:p>
             <a:fld id="{5EBC1990-382E-4459-B7D8-8B1AD26C69BA}" type="slidenum">
               <a:rPr lang="es-CO" smtClean="0"/>
-              <a:t>‹Nº›</a:t>
+              <a:t>‹Nr.›</a:t>
             </a:fld>
             <a:endParaRPr lang="es-CO"/>
           </a:p>
@@ -3352,7 +3352,7 @@
           <a:p>
             <a:fld id="{63A4975C-3C38-4B4F-A092-D12D5E7CDC29}" type="datetimeFigureOut">
               <a:rPr lang="es-CO" smtClean="0"/>
-              <a:t>20/09/2015</a:t>
+              <a:t>25/10/15</a:t>
             </a:fld>
             <a:endParaRPr lang="es-CO"/>
           </a:p>
@@ -3394,7 +3394,7 @@
           <a:p>
             <a:fld id="{5EBC1990-382E-4459-B7D8-8B1AD26C69BA}" type="slidenum">
               <a:rPr lang="es-CO" smtClean="0"/>
-              <a:t>‹Nº›</a:t>
+              <a:t>‹Nr.›</a:t>
             </a:fld>
             <a:endParaRPr lang="es-CO"/>
           </a:p>
@@ -3719,7 +3719,7 @@
           <a:p>
             <a:fld id="{63A4975C-3C38-4B4F-A092-D12D5E7CDC29}" type="datetimeFigureOut">
               <a:rPr lang="es-CO" smtClean="0"/>
-              <a:t>20/09/2015</a:t>
+              <a:t>25/10/15</a:t>
             </a:fld>
             <a:endParaRPr lang="es-CO"/>
           </a:p>
@@ -3761,7 +3761,7 @@
           <a:p>
             <a:fld id="{5EBC1990-382E-4459-B7D8-8B1AD26C69BA}" type="slidenum">
               <a:rPr lang="es-CO" smtClean="0"/>
-              <a:t>‹Nº›</a:t>
+              <a:t>‹Nr.›</a:t>
             </a:fld>
             <a:endParaRPr lang="es-CO"/>
           </a:p>
@@ -3837,7 +3837,7 @@
           <a:p>
             <a:fld id="{63A4975C-3C38-4B4F-A092-D12D5E7CDC29}" type="datetimeFigureOut">
               <a:rPr lang="es-CO" smtClean="0"/>
-              <a:t>20/09/2015</a:t>
+              <a:t>25/10/15</a:t>
             </a:fld>
             <a:endParaRPr lang="es-CO"/>
           </a:p>
@@ -3879,7 +3879,7 @@
           <a:p>
             <a:fld id="{5EBC1990-382E-4459-B7D8-8B1AD26C69BA}" type="slidenum">
               <a:rPr lang="es-CO" smtClean="0"/>
-              <a:t>‹Nº›</a:t>
+              <a:t>‹Nr.›</a:t>
             </a:fld>
             <a:endParaRPr lang="es-CO"/>
           </a:p>
@@ -3932,7 +3932,7 @@
           <a:p>
             <a:fld id="{63A4975C-3C38-4B4F-A092-D12D5E7CDC29}" type="datetimeFigureOut">
               <a:rPr lang="es-CO" smtClean="0"/>
-              <a:t>20/09/2015</a:t>
+              <a:t>25/10/15</a:t>
             </a:fld>
             <a:endParaRPr lang="es-CO"/>
           </a:p>
@@ -3974,7 +3974,7 @@
           <a:p>
             <a:fld id="{5EBC1990-382E-4459-B7D8-8B1AD26C69BA}" type="slidenum">
               <a:rPr lang="es-CO" smtClean="0"/>
-              <a:t>‹Nº›</a:t>
+              <a:t>‹Nr.›</a:t>
             </a:fld>
             <a:endParaRPr lang="es-CO"/>
           </a:p>
@@ -4023,7 +4023,7 @@
   <p:timing>
     <p:tnLst>
       <p:par>
-        <p:cTn id="1" dur="indefinite" restart="never" nodeType="tmRoot"/>
+        <p:cTn xmlns:p14="http://schemas.microsoft.com/office/powerpoint/2010/main" id="1" dur="indefinite" restart="never" nodeType="tmRoot"/>
       </p:par>
     </p:tnLst>
   </p:timing>
@@ -4246,7 +4246,7 @@
           <a:p>
             <a:fld id="{63A4975C-3C38-4B4F-A092-D12D5E7CDC29}" type="datetimeFigureOut">
               <a:rPr lang="es-CO" smtClean="0"/>
-              <a:t>20/09/2015</a:t>
+              <a:t>25/10/15</a:t>
             </a:fld>
             <a:endParaRPr lang="es-CO"/>
           </a:p>
@@ -4288,7 +4288,7 @@
           <a:p>
             <a:fld id="{5EBC1990-382E-4459-B7D8-8B1AD26C69BA}" type="slidenum">
               <a:rPr lang="es-CO" smtClean="0"/>
-              <a:t>‹Nº›</a:t>
+              <a:t>‹Nr.›</a:t>
             </a:fld>
             <a:endParaRPr lang="es-CO"/>
           </a:p>
@@ -4499,7 +4499,7 @@
           <a:p>
             <a:fld id="{63A4975C-3C38-4B4F-A092-D12D5E7CDC29}" type="datetimeFigureOut">
               <a:rPr lang="es-CO" smtClean="0"/>
-              <a:t>20/09/2015</a:t>
+              <a:t>25/10/15</a:t>
             </a:fld>
             <a:endParaRPr lang="es-CO"/>
           </a:p>
@@ -4541,7 +4541,7 @@
           <a:p>
             <a:fld id="{5EBC1990-382E-4459-B7D8-8B1AD26C69BA}" type="slidenum">
               <a:rPr lang="es-CO" smtClean="0"/>
-              <a:t>‹Nº›</a:t>
+              <a:t>‹Nr.›</a:t>
             </a:fld>
             <a:endParaRPr lang="es-CO"/>
           </a:p>
@@ -4669,7 +4669,7 @@
           <a:p>
             <a:fld id="{63A4975C-3C38-4B4F-A092-D12D5E7CDC29}" type="datetimeFigureOut">
               <a:rPr lang="es-CO" smtClean="0"/>
-              <a:t>20/09/2015</a:t>
+              <a:t>25/10/15</a:t>
             </a:fld>
             <a:endParaRPr lang="es-CO"/>
           </a:p>
@@ -4711,7 +4711,7 @@
           <a:p>
             <a:fld id="{5EBC1990-382E-4459-B7D8-8B1AD26C69BA}" type="slidenum">
               <a:rPr lang="es-CO" smtClean="0"/>
-              <a:t>‹Nº›</a:t>
+              <a:t>‹Nr.›</a:t>
             </a:fld>
             <a:endParaRPr lang="es-CO"/>
           </a:p>
@@ -4849,7 +4849,7 @@
           <a:p>
             <a:fld id="{63A4975C-3C38-4B4F-A092-D12D5E7CDC29}" type="datetimeFigureOut">
               <a:rPr lang="es-CO" smtClean="0"/>
-              <a:t>20/09/2015</a:t>
+              <a:t>25/10/15</a:t>
             </a:fld>
             <a:endParaRPr lang="es-CO"/>
           </a:p>
@@ -4891,7 +4891,7 @@
           <a:p>
             <a:fld id="{5EBC1990-382E-4459-B7D8-8B1AD26C69BA}" type="slidenum">
               <a:rPr lang="es-CO" smtClean="0"/>
-              <a:t>‹Nº›</a:t>
+              <a:t>‹Nr.›</a:t>
             </a:fld>
             <a:endParaRPr lang="es-CO"/>
           </a:p>
@@ -4940,7 +4940,7 @@
   <p:timing>
     <p:tnLst>
       <p:par>
-        <p:cTn id="1" dur="indefinite" restart="never" nodeType="tmRoot"/>
+        <p:cTn xmlns:p14="http://schemas.microsoft.com/office/powerpoint/2010/main" id="1" dur="indefinite" restart="never" nodeType="tmRoot"/>
       </p:par>
     </p:tnLst>
   </p:timing>
@@ -4977,7 +4977,7 @@
   <p:timing>
     <p:tnLst>
       <p:par>
-        <p:cTn id="1" dur="indefinite" restart="never" nodeType="tmRoot"/>
+        <p:cTn xmlns:p14="http://schemas.microsoft.com/office/powerpoint/2010/main" id="1" dur="indefinite" restart="never" nodeType="tmRoot"/>
       </p:par>
     </p:tnLst>
   </p:timing>
@@ -5014,7 +5014,7 @@
   <p:timing>
     <p:tnLst>
       <p:par>
-        <p:cTn id="1" dur="indefinite" restart="never" nodeType="tmRoot"/>
+        <p:cTn xmlns:p14="http://schemas.microsoft.com/office/powerpoint/2010/main" id="1" dur="indefinite" restart="never" nodeType="tmRoot"/>
       </p:par>
     </p:tnLst>
   </p:timing>
@@ -5063,7 +5063,7 @@
           <a:p>
             <a:fld id="{5001C876-01F7-4317-94B9-1AE222133113}" type="datetimeFigureOut">
               <a:rPr lang="es-ES" smtClean="0"/>
-              <a:t>20/09/2015</a:t>
+              <a:t>25/10/15</a:t>
             </a:fld>
             <a:endParaRPr lang="es-ES"/>
           </a:p>
@@ -5121,7 +5121,7 @@
           <a:p>
             <a:fld id="{58140F73-F5A2-4B82-A2FA-BF1850CF1309}" type="slidenum">
               <a:rPr lang="es-ES" smtClean="0"/>
-              <a:t>‹Nº›</a:t>
+              <a:t>‹Nr.›</a:t>
             </a:fld>
             <a:endParaRPr lang="es-ES"/>
           </a:p>
@@ -5140,7 +5140,7 @@
   <p:timing>
     <p:tnLst>
       <p:par>
-        <p:cTn id="1" dur="indefinite" restart="never" nodeType="tmRoot"/>
+        <p:cTn xmlns:p14="http://schemas.microsoft.com/office/powerpoint/2010/main" id="1" dur="indefinite" restart="never" nodeType="tmRoot"/>
       </p:par>
     </p:tnLst>
   </p:timing>
@@ -5177,7 +5177,7 @@
   <p:timing>
     <p:tnLst>
       <p:par>
-        <p:cTn id="1" dur="indefinite" restart="never" nodeType="tmRoot"/>
+        <p:cTn xmlns:p14="http://schemas.microsoft.com/office/powerpoint/2010/main" id="1" dur="indefinite" restart="never" nodeType="tmRoot"/>
       </p:par>
     </p:tnLst>
   </p:timing>
@@ -5214,7 +5214,7 @@
   <p:timing>
     <p:tnLst>
       <p:par>
-        <p:cTn id="1" dur="indefinite" restart="never" nodeType="tmRoot"/>
+        <p:cTn xmlns:p14="http://schemas.microsoft.com/office/powerpoint/2010/main" id="1" dur="indefinite" restart="never" nodeType="tmRoot"/>
       </p:par>
     </p:tnLst>
   </p:timing>
@@ -5331,7 +5331,7 @@
   <p:timing>
     <p:tnLst>
       <p:par>
-        <p:cTn id="1" dur="indefinite" restart="never" nodeType="tmRoot"/>
+        <p:cTn xmlns:p14="http://schemas.microsoft.com/office/powerpoint/2010/main" id="1" dur="indefinite" restart="never" nodeType="tmRoot"/>
       </p:par>
     </p:tnLst>
   </p:timing>
@@ -5770,7 +5770,7 @@
           <a:p>
             <a:fld id="{D753C377-1601-4951-A2FB-AAFCF4178A63}" type="datetimeFigureOut">
               <a:rPr lang="es-CO" smtClean="0"/>
-              <a:t>20/09/2015</a:t>
+              <a:t>25/10/15</a:t>
             </a:fld>
             <a:endParaRPr lang="es-CO"/>
           </a:p>
@@ -5848,7 +5848,7 @@
           <a:p>
             <a:fld id="{166B6605-EDD6-460A-BEC0-99D067582C15}" type="slidenum">
               <a:rPr lang="es-CO" smtClean="0"/>
-              <a:t>‹Nº›</a:t>
+              <a:t>‹Nr.›</a:t>
             </a:fld>
             <a:endParaRPr lang="es-CO"/>
           </a:p>
@@ -6310,7 +6310,7 @@
           <a:p>
             <a:fld id="{63A4975C-3C38-4B4F-A092-D12D5E7CDC29}" type="datetimeFigureOut">
               <a:rPr lang="es-CO" smtClean="0"/>
-              <a:t>20/09/2015</a:t>
+              <a:t>25/10/15</a:t>
             </a:fld>
             <a:endParaRPr lang="es-CO"/>
           </a:p>
@@ -6388,7 +6388,7 @@
           <a:p>
             <a:fld id="{5EBC1990-382E-4459-B7D8-8B1AD26C69BA}" type="slidenum">
               <a:rPr lang="es-CO" smtClean="0"/>
-              <a:t>‹Nº›</a:t>
+              <a:t>‹Nr.›</a:t>
             </a:fld>
             <a:endParaRPr lang="es-CO"/>
           </a:p>
@@ -7260,7 +7260,7 @@
                 <a:latin typeface="Arial" panose="020B0604020202020204" pitchFamily="34" charset="0"/>
                 <a:cs typeface="Arial" panose="020B0604020202020204" pitchFamily="34" charset="0"/>
               </a:rPr>
-              <a:t> </a:t>
+              <a:t> = </a:t>
             </a:r>
             <a:r>
               <a:rPr lang="es-CO" sz="900" dirty="0" smtClean="0">
@@ -7270,7 +7270,17 @@
                 <a:latin typeface="Arial" panose="020B0604020202020204" pitchFamily="34" charset="0"/>
                 <a:cs typeface="Arial" panose="020B0604020202020204" pitchFamily="34" charset="0"/>
               </a:rPr>
-              <a:t>= {1, 2, 3, 4,…]</a:t>
+              <a:t>{0, 1</a:t>
+            </a:r>
+            <a:r>
+              <a:rPr lang="es-CO" sz="900" dirty="0" smtClean="0">
+                <a:solidFill>
+                  <a:schemeClr val="tx1"/>
+                </a:solidFill>
+                <a:latin typeface="Arial" panose="020B0604020202020204" pitchFamily="34" charset="0"/>
+                <a:cs typeface="Arial" panose="020B0604020202020204" pitchFamily="34" charset="0"/>
+              </a:rPr>
+              <a:t>, 2, 3, 4,…]</a:t>
             </a:r>
             <a:endParaRPr lang="es-ES" sz="900" dirty="0">
               <a:solidFill>
@@ -9060,7 +9070,27 @@
                 <a:latin typeface="Arial" panose="020B0604020202020204" pitchFamily="34" charset="0"/>
                 <a:cs typeface="Arial" panose="020B0604020202020204" pitchFamily="34" charset="0"/>
               </a:rPr>
-              <a:t>el valor de una cifra cambia según la posición que ocupe.</a:t>
+              <a:t>el valor de una cifra cambia según la posición </a:t>
+            </a:r>
+            <a:r>
+              <a:rPr lang="es-ES" sz="800" smtClean="0">
+                <a:solidFill>
+                  <a:schemeClr val="tx1"/>
+                </a:solidFill>
+                <a:latin typeface="Arial" panose="020B0604020202020204" pitchFamily="34" charset="0"/>
+                <a:cs typeface="Arial" panose="020B0604020202020204" pitchFamily="34" charset="0"/>
+              </a:rPr>
+              <a:t>que </a:t>
+            </a:r>
+            <a:r>
+              <a:rPr lang="es-ES" sz="800" smtClean="0">
+                <a:solidFill>
+                  <a:schemeClr val="tx1"/>
+                </a:solidFill>
+                <a:latin typeface="Arial" panose="020B0604020202020204" pitchFamily="34" charset="0"/>
+                <a:cs typeface="Arial" panose="020B0604020202020204" pitchFamily="34" charset="0"/>
+              </a:rPr>
+              <a:t>ocupe</a:t>
             </a:r>
             <a:endParaRPr lang="es-ES" sz="800" dirty="0">
               <a:solidFill>
@@ -9761,14 +9791,14 @@
                 <a:latin typeface="Arial" panose="020B0604020202020204" pitchFamily="34" charset="0"/>
                 <a:cs typeface="Arial" panose="020B0604020202020204" pitchFamily="34" charset="0"/>
               </a:rPr>
-              <a:t> </a:t>
+              <a:t> los </a:t>
             </a:r>
             <a:r>
               <a:rPr lang="en-US" sz="800" dirty="0" err="1" smtClean="0">
                 <a:latin typeface="Arial" panose="020B0604020202020204" pitchFamily="34" charset="0"/>
                 <a:cs typeface="Arial" panose="020B0604020202020204" pitchFamily="34" charset="0"/>
               </a:rPr>
-              <a:t>los</a:t>
+              <a:t>signos</a:t>
             </a:r>
             <a:r>
               <a:rPr lang="en-US" sz="800" dirty="0" smtClean="0">
@@ -9778,18 +9808,18 @@
               <a:t> </a:t>
             </a:r>
             <a:r>
-              <a:rPr lang="en-US" sz="800" dirty="0" err="1" smtClean="0">
-                <a:latin typeface="Arial" panose="020B0604020202020204" pitchFamily="34" charset="0"/>
-                <a:cs typeface="Arial" panose="020B0604020202020204" pitchFamily="34" charset="0"/>
-              </a:rPr>
-              <a:t>signos</a:t>
-            </a:r>
-            <a:r>
               <a:rPr lang="en-US" sz="800" dirty="0" smtClean="0">
                 <a:latin typeface="Arial" panose="020B0604020202020204" pitchFamily="34" charset="0"/>
                 <a:cs typeface="Arial" panose="020B0604020202020204" pitchFamily="34" charset="0"/>
               </a:rPr>
-              <a:t> 1, 2, 3, 4, 5, 6, 7, 8 y 9</a:t>
+              <a:t>0, 1</a:t>
+            </a:r>
+            <a:r>
+              <a:rPr lang="en-US" sz="800" dirty="0" smtClean="0">
+                <a:latin typeface="Arial" panose="020B0604020202020204" pitchFamily="34" charset="0"/>
+                <a:cs typeface="Arial" panose="020B0604020202020204" pitchFamily="34" charset="0"/>
+              </a:rPr>
+              <a:t>, 2, 3, 4, 5, 6, 7, 8 y 9</a:t>
             </a:r>
           </a:p>
         </p:txBody>
@@ -10509,11 +10539,8 @@
                 <a:latin typeface="Arial" panose="020B0604020202020204" pitchFamily="34" charset="0"/>
                 <a:cs typeface="Arial" panose="020B0604020202020204" pitchFamily="34" charset="0"/>
               </a:rPr>
-              <a:t>mayor que</a:t>
-            </a:r>
-          </a:p>
-          <a:p>
-            <a:pPr algn="ctr"/>
+              <a:t>mayor </a:t>
+            </a:r>
             <a:r>
               <a:rPr lang="es-ES" sz="800" dirty="0" smtClean="0">
                 <a:solidFill>
@@ -10522,8 +10549,35 @@
                 <a:latin typeface="Arial" panose="020B0604020202020204" pitchFamily="34" charset="0"/>
                 <a:cs typeface="Arial" panose="020B0604020202020204" pitchFamily="34" charset="0"/>
               </a:rPr>
-              <a:t>menos que</a:t>
-            </a:r>
+              <a:t>que,</a:t>
+            </a:r>
+            <a:endParaRPr lang="es-ES" sz="800" dirty="0" smtClean="0">
+              <a:solidFill>
+                <a:schemeClr val="tx1"/>
+              </a:solidFill>
+              <a:latin typeface="Arial" panose="020B0604020202020204" pitchFamily="34" charset="0"/>
+              <a:cs typeface="Arial" panose="020B0604020202020204" pitchFamily="34" charset="0"/>
+            </a:endParaRPr>
+          </a:p>
+          <a:p>
+            <a:pPr algn="ctr"/>
+            <a:r>
+              <a:rPr lang="es-ES" sz="800" dirty="0" smtClean="0">
+                <a:solidFill>
+                  <a:schemeClr val="tx1"/>
+                </a:solidFill>
+                <a:latin typeface="Arial" panose="020B0604020202020204" pitchFamily="34" charset="0"/>
+                <a:cs typeface="Arial" panose="020B0604020202020204" pitchFamily="34" charset="0"/>
+              </a:rPr>
+              <a:t>menor que,</a:t>
+            </a:r>
+            <a:endParaRPr lang="es-ES" sz="800" dirty="0" smtClean="0">
+              <a:solidFill>
+                <a:schemeClr val="tx1"/>
+              </a:solidFill>
+              <a:latin typeface="Arial" panose="020B0604020202020204" pitchFamily="34" charset="0"/>
+              <a:cs typeface="Arial" panose="020B0604020202020204" pitchFamily="34" charset="0"/>
+            </a:endParaRPr>
           </a:p>
           <a:p>
             <a:pPr algn="ctr"/>
@@ -10597,17 +10651,7 @@
                 <a:latin typeface="Arial" panose="020B0604020202020204" pitchFamily="34" charset="0"/>
                 <a:cs typeface="Arial" panose="020B0604020202020204" pitchFamily="34" charset="0"/>
               </a:rPr>
-              <a:t>es </a:t>
-            </a:r>
-            <a:r>
-              <a:rPr lang="es-ES" sz="800" dirty="0" smtClean="0">
-                <a:solidFill>
-                  <a:schemeClr val="tx1"/>
-                </a:solidFill>
-                <a:latin typeface="Arial" panose="020B0604020202020204" pitchFamily="34" charset="0"/>
-                <a:cs typeface="Arial" panose="020B0604020202020204" pitchFamily="34" charset="0"/>
-              </a:rPr>
-              <a:t>necesario tener en cuenta los valores posicionales y la cifra que se encuentra en dicho valor posicional</a:t>
+              <a:t>es necesario tener en cuenta los valores posicionales y la cifra que se encuentra en dicho valor posicional</a:t>
             </a:r>
             <a:endParaRPr lang="es-ES" sz="800" dirty="0">
               <a:solidFill>
@@ -11155,7 +11199,7 @@
   <p:timing>
     <p:tnLst>
       <p:par>
-        <p:cTn id="1" dur="indefinite" restart="never" nodeType="tmRoot"/>
+        <p:cTn xmlns:p14="http://schemas.microsoft.com/office/powerpoint/2010/main" id="1" dur="indefinite" restart="never" nodeType="tmRoot"/>
       </p:par>
     </p:tnLst>
   </p:timing>
@@ -11417,7 +11461,7 @@
   <a:extraClrSchemeLst/>
   <a:extLst>
     <a:ext uri="{05A4C25C-085E-4340-85A3-A5531E510DB2}">
-      <thm15:themeFamily xmlns:thm15="http://schemas.microsoft.com/office/thememl/2012/main" name="Office Theme" id="{62F939B6-93AF-4DB8-9C6B-D6C7DFDC589F}" vid="{4A3C46E8-61CC-4603-A589-7422A47A8E4A}"/>
+      <thm15:themeFamily xmlns:thm15="http://schemas.microsoft.com/office/thememl/2012/main" xmlns="" name="Office Theme" id="{62F939B6-93AF-4DB8-9C6B-D6C7DFDC589F}" vid="{4A3C46E8-61CC-4603-A589-7422A47A8E4A}"/>
     </a:ext>
   </a:extLst>
 </a:theme>
@@ -11466,7 +11510,7 @@
     </a:clrScheme>
     <a:fontScheme name="Office">
       <a:majorFont>
-        <a:latin typeface="Calibri Light" panose="020F0302020204030204"/>
+        <a:latin typeface="Calibri Light"/>
         <a:ea typeface=""/>
         <a:cs typeface=""/>
         <a:font script="Jpan" typeface="ＭＳ Ｐゴシック"/>
@@ -11501,7 +11545,7 @@
         <a:font script="Geor" typeface="Sylfaen"/>
       </a:majorFont>
       <a:minorFont>
-        <a:latin typeface="Calibri" panose="020F0502020204030204"/>
+        <a:latin typeface="Calibri"/>
         <a:ea typeface=""/>
         <a:cs typeface=""/>
         <a:font script="Jpan" typeface="ＭＳ Ｐゴシック"/>
@@ -11678,7 +11722,7 @@
   <a:extraClrSchemeLst/>
   <a:extLst>
     <a:ext uri="{05A4C25C-085E-4340-85A3-A5531E510DB2}">
-      <thm15:themeFamily xmlns:thm15="http://schemas.microsoft.com/office/thememl/2012/main" name="Office Theme" id="{62F939B6-93AF-4DB8-9C6B-D6C7DFDC589F}" vid="{4A3C46E8-61CC-4603-A589-7422A47A8E4A}"/>
+      <thm15:themeFamily xmlns:thm15="http://schemas.microsoft.com/office/thememl/2012/main" xmlns="" name="Office Theme" id="{62F939B6-93AF-4DB8-9C6B-D6C7DFDC589F}" vid="{4A3C46E8-61CC-4603-A589-7422A47A8E4A}"/>
     </a:ext>
   </a:extLst>
 </a:theme>
@@ -11727,7 +11771,7 @@
     </a:clrScheme>
     <a:fontScheme name="Office">
       <a:majorFont>
-        <a:latin typeface="Calibri Light" panose="020F0302020204030204"/>
+        <a:latin typeface="Calibri Light"/>
         <a:ea typeface=""/>
         <a:cs typeface=""/>
         <a:font script="Jpan" typeface="ＭＳ Ｐゴシック"/>
@@ -11762,7 +11806,7 @@
         <a:font script="Geor" typeface="Sylfaen"/>
       </a:majorFont>
       <a:minorFont>
-        <a:latin typeface="Calibri" panose="020F0502020204030204"/>
+        <a:latin typeface="Calibri"/>
         <a:ea typeface=""/>
         <a:cs typeface=""/>
         <a:font script="Jpan" typeface="ＭＳ Ｐゴシック"/>
@@ -11939,7 +11983,7 @@
   <a:extraClrSchemeLst/>
   <a:extLst>
     <a:ext uri="{05A4C25C-085E-4340-85A3-A5531E510DB2}">
-      <thm15:themeFamily xmlns:thm15="http://schemas.microsoft.com/office/thememl/2012/main" name="Office Theme" id="{62F939B6-93AF-4DB8-9C6B-D6C7DFDC589F}" vid="{4A3C46E8-61CC-4603-A589-7422A47A8E4A}"/>
+      <thm15:themeFamily xmlns:thm15="http://schemas.microsoft.com/office/thememl/2012/main" xmlns="" name="Office Theme" id="{62F939B6-93AF-4DB8-9C6B-D6C7DFDC589F}" vid="{4A3C46E8-61CC-4603-A589-7422A47A8E4A}"/>
     </a:ext>
   </a:extLst>
 </a:theme>
